--- a/project/프로젝트 1회차.pptx
+++ b/project/프로젝트 1회차.pptx
@@ -9,9 +9,18 @@
     <p:sldId id="266" r:id="rId3"/>
     <p:sldId id="257" r:id="rId4"/>
     <p:sldId id="258" r:id="rId5"/>
-    <p:sldId id="260" r:id="rId6"/>
-    <p:sldId id="261" r:id="rId7"/>
-    <p:sldId id="262" r:id="rId8"/>
+    <p:sldId id="261" r:id="rId6"/>
+    <p:sldId id="267" r:id="rId7"/>
+    <p:sldId id="268" r:id="rId8"/>
+    <p:sldId id="269" r:id="rId9"/>
+    <p:sldId id="271" r:id="rId10"/>
+    <p:sldId id="275" r:id="rId11"/>
+    <p:sldId id="276" r:id="rId12"/>
+    <p:sldId id="277" r:id="rId13"/>
+    <p:sldId id="272" r:id="rId14"/>
+    <p:sldId id="273" r:id="rId15"/>
+    <p:sldId id="274" r:id="rId16"/>
+    <p:sldId id="262" r:id="rId17"/>
   </p:sldIdLst>
   <p:sldSz cx="9144000" cy="6858000" type="screen4x3"/>
   <p:notesSz cx="6858000" cy="9144000"/>
@@ -294,7 +303,7 @@
           <a:p>
             <a:fld id="{386107FB-042A-4FE4-8214-01E44D435E8C}" type="datetimeFigureOut">
               <a:rPr lang="ko-KR" altLang="en-US" smtClean="0"/>
-              <a:t>2016-07-20</a:t>
+              <a:t>2016-07-29</a:t>
             </a:fld>
             <a:endParaRPr lang="ko-KR" altLang="en-US"/>
           </a:p>
@@ -464,7 +473,7 @@
           <a:p>
             <a:fld id="{386107FB-042A-4FE4-8214-01E44D435E8C}" type="datetimeFigureOut">
               <a:rPr lang="ko-KR" altLang="en-US" smtClean="0"/>
-              <a:t>2016-07-20</a:t>
+              <a:t>2016-07-29</a:t>
             </a:fld>
             <a:endParaRPr lang="ko-KR" altLang="en-US"/>
           </a:p>
@@ -644,7 +653,7 @@
           <a:p>
             <a:fld id="{386107FB-042A-4FE4-8214-01E44D435E8C}" type="datetimeFigureOut">
               <a:rPr lang="ko-KR" altLang="en-US" smtClean="0"/>
-              <a:t>2016-07-20</a:t>
+              <a:t>2016-07-29</a:t>
             </a:fld>
             <a:endParaRPr lang="ko-KR" altLang="en-US"/>
           </a:p>
@@ -814,7 +823,7 @@
           <a:p>
             <a:fld id="{386107FB-042A-4FE4-8214-01E44D435E8C}" type="datetimeFigureOut">
               <a:rPr lang="ko-KR" altLang="en-US" smtClean="0"/>
-              <a:t>2016-07-20</a:t>
+              <a:t>2016-07-29</a:t>
             </a:fld>
             <a:endParaRPr lang="ko-KR" altLang="en-US"/>
           </a:p>
@@ -1060,7 +1069,7 @@
           <a:p>
             <a:fld id="{386107FB-042A-4FE4-8214-01E44D435E8C}" type="datetimeFigureOut">
               <a:rPr lang="ko-KR" altLang="en-US" smtClean="0"/>
-              <a:t>2016-07-20</a:t>
+              <a:t>2016-07-29</a:t>
             </a:fld>
             <a:endParaRPr lang="ko-KR" altLang="en-US"/>
           </a:p>
@@ -1348,7 +1357,7 @@
           <a:p>
             <a:fld id="{386107FB-042A-4FE4-8214-01E44D435E8C}" type="datetimeFigureOut">
               <a:rPr lang="ko-KR" altLang="en-US" smtClean="0"/>
-              <a:t>2016-07-20</a:t>
+              <a:t>2016-07-29</a:t>
             </a:fld>
             <a:endParaRPr lang="ko-KR" altLang="en-US"/>
           </a:p>
@@ -1770,7 +1779,7 @@
           <a:p>
             <a:fld id="{386107FB-042A-4FE4-8214-01E44D435E8C}" type="datetimeFigureOut">
               <a:rPr lang="ko-KR" altLang="en-US" smtClean="0"/>
-              <a:t>2016-07-20</a:t>
+              <a:t>2016-07-29</a:t>
             </a:fld>
             <a:endParaRPr lang="ko-KR" altLang="en-US"/>
           </a:p>
@@ -1888,7 +1897,7 @@
           <a:p>
             <a:fld id="{386107FB-042A-4FE4-8214-01E44D435E8C}" type="datetimeFigureOut">
               <a:rPr lang="ko-KR" altLang="en-US" smtClean="0"/>
-              <a:t>2016-07-20</a:t>
+              <a:t>2016-07-29</a:t>
             </a:fld>
             <a:endParaRPr lang="ko-KR" altLang="en-US"/>
           </a:p>
@@ -1983,7 +1992,7 @@
           <a:p>
             <a:fld id="{386107FB-042A-4FE4-8214-01E44D435E8C}" type="datetimeFigureOut">
               <a:rPr lang="ko-KR" altLang="en-US" smtClean="0"/>
-              <a:t>2016-07-20</a:t>
+              <a:t>2016-07-29</a:t>
             </a:fld>
             <a:endParaRPr lang="ko-KR" altLang="en-US"/>
           </a:p>
@@ -2260,7 +2269,7 @@
           <a:p>
             <a:fld id="{386107FB-042A-4FE4-8214-01E44D435E8C}" type="datetimeFigureOut">
               <a:rPr lang="ko-KR" altLang="en-US" smtClean="0"/>
-              <a:t>2016-07-20</a:t>
+              <a:t>2016-07-29</a:t>
             </a:fld>
             <a:endParaRPr lang="ko-KR" altLang="en-US"/>
           </a:p>
@@ -2513,7 +2522,7 @@
           <a:p>
             <a:fld id="{386107FB-042A-4FE4-8214-01E44D435E8C}" type="datetimeFigureOut">
               <a:rPr lang="ko-KR" altLang="en-US" smtClean="0"/>
-              <a:t>2016-07-20</a:t>
+              <a:t>2016-07-29</a:t>
             </a:fld>
             <a:endParaRPr lang="ko-KR" altLang="en-US"/>
           </a:p>
@@ -2726,7 +2735,7 @@
           <a:p>
             <a:fld id="{386107FB-042A-4FE4-8214-01E44D435E8C}" type="datetimeFigureOut">
               <a:rPr lang="ko-KR" altLang="en-US" smtClean="0"/>
-              <a:t>2016-07-20</a:t>
+              <a:t>2016-07-29</a:t>
             </a:fld>
             <a:endParaRPr lang="ko-KR" altLang="en-US"/>
           </a:p>
@@ -3164,6 +3173,1105 @@
 </p:sld>
 </file>
 
+<file path=ppt/slides/slide10.xml><?xml version="1.0" encoding="utf-8"?>
+<p:sld xmlns:a="http://schemas.openxmlformats.org/drawingml/2006/main" xmlns:r="http://schemas.openxmlformats.org/officeDocument/2006/relationships" xmlns:p="http://schemas.openxmlformats.org/presentationml/2006/main">
+  <p:cSld>
+    <p:spTree>
+      <p:nvGrpSpPr>
+        <p:cNvPr id="1" name=""/>
+        <p:cNvGrpSpPr/>
+        <p:nvPr/>
+      </p:nvGrpSpPr>
+      <p:grpSpPr>
+        <a:xfrm>
+          <a:off x="0" y="0"/>
+          <a:ext cx="0" cy="0"/>
+          <a:chOff x="0" y="0"/>
+          <a:chExt cx="0" cy="0"/>
+        </a:xfrm>
+      </p:grpSpPr>
+      <p:sp>
+        <p:nvSpPr>
+          <p:cNvPr id="2" name="제목 1"/>
+          <p:cNvSpPr>
+            <a:spLocks noGrp="1"/>
+          </p:cNvSpPr>
+          <p:nvPr>
+            <p:ph type="title"/>
+          </p:nvPr>
+        </p:nvSpPr>
+        <p:spPr/>
+        <p:txBody>
+          <a:bodyPr/>
+          <a:lstStyle/>
+          <a:p>
+            <a:r>
+              <a:rPr lang="ko-KR" altLang="en-US" dirty="0" smtClean="0"/>
+              <a:t>사냥게임</a:t>
+            </a:r>
+            <a:r>
+              <a:rPr lang="en-US" altLang="ko-KR" dirty="0" smtClean="0"/>
+              <a:t>-</a:t>
+            </a:r>
+            <a:r>
+              <a:rPr lang="ko-KR" altLang="en-US" dirty="0" smtClean="0"/>
+              <a:t>화살발사</a:t>
+            </a:r>
+            <a:endParaRPr lang="ko-KR" altLang="en-US" dirty="0"/>
+          </a:p>
+        </p:txBody>
+      </p:sp>
+      <p:sp>
+        <p:nvSpPr>
+          <p:cNvPr id="5" name="내용 개체 틀 4"/>
+          <p:cNvSpPr>
+            <a:spLocks noGrp="1"/>
+          </p:cNvSpPr>
+          <p:nvPr>
+            <p:ph idx="1"/>
+          </p:nvPr>
+        </p:nvSpPr>
+        <p:spPr/>
+        <p:txBody>
+          <a:bodyPr/>
+          <a:lstStyle/>
+          <a:p>
+            <a:endParaRPr lang="ko-KR" altLang="en-US"/>
+          </a:p>
+        </p:txBody>
+      </p:sp>
+    </p:spTree>
+    <p:extLst>
+      <p:ext uri="{BB962C8B-B14F-4D97-AF65-F5344CB8AC3E}">
+        <p14:creationId xmlns:p14="http://schemas.microsoft.com/office/powerpoint/2010/main" val="1093741429"/>
+      </p:ext>
+    </p:extLst>
+  </p:cSld>
+  <p:clrMapOvr>
+    <a:masterClrMapping/>
+  </p:clrMapOvr>
+  <p:timing>
+    <p:tnLst>
+      <p:par>
+        <p:cTn id="1" dur="indefinite" restart="never" nodeType="tmRoot"/>
+      </p:par>
+    </p:tnLst>
+  </p:timing>
+</p:sld>
+</file>
+
+<file path=ppt/slides/slide11.xml><?xml version="1.0" encoding="utf-8"?>
+<p:sld xmlns:a="http://schemas.openxmlformats.org/drawingml/2006/main" xmlns:r="http://schemas.openxmlformats.org/officeDocument/2006/relationships" xmlns:p="http://schemas.openxmlformats.org/presentationml/2006/main">
+  <p:cSld>
+    <p:spTree>
+      <p:nvGrpSpPr>
+        <p:cNvPr id="1" name=""/>
+        <p:cNvGrpSpPr/>
+        <p:nvPr/>
+      </p:nvGrpSpPr>
+      <p:grpSpPr>
+        <a:xfrm>
+          <a:off x="0" y="0"/>
+          <a:ext cx="0" cy="0"/>
+          <a:chOff x="0" y="0"/>
+          <a:chExt cx="0" cy="0"/>
+        </a:xfrm>
+      </p:grpSpPr>
+      <p:sp>
+        <p:nvSpPr>
+          <p:cNvPr id="2" name="제목 1"/>
+          <p:cNvSpPr>
+            <a:spLocks noGrp="1"/>
+          </p:cNvSpPr>
+          <p:nvPr>
+            <p:ph type="title"/>
+          </p:nvPr>
+        </p:nvSpPr>
+        <p:spPr/>
+        <p:txBody>
+          <a:bodyPr/>
+          <a:lstStyle/>
+          <a:p>
+            <a:r>
+              <a:rPr lang="ko-KR" altLang="en-US" dirty="0" smtClean="0"/>
+              <a:t>사냥게임</a:t>
+            </a:r>
+            <a:r>
+              <a:rPr lang="en-US" altLang="ko-KR" dirty="0" smtClean="0"/>
+              <a:t>-</a:t>
+            </a:r>
+            <a:r>
+              <a:rPr lang="ko-KR" altLang="en-US" dirty="0" smtClean="0"/>
+              <a:t>화살발사</a:t>
+            </a:r>
+            <a:endParaRPr lang="ko-KR" altLang="en-US" dirty="0"/>
+          </a:p>
+        </p:txBody>
+      </p:sp>
+      <p:pic>
+        <p:nvPicPr>
+          <p:cNvPr id="5" name="내용 개체 틀 4"/>
+          <p:cNvPicPr>
+            <a:picLocks noGrp="1" noChangeAspect="1"/>
+          </p:cNvPicPr>
+          <p:nvPr>
+            <p:ph idx="1"/>
+          </p:nvPr>
+        </p:nvPicPr>
+        <p:blipFill>
+          <a:blip r:embed="rId2">
+            <a:extLst>
+              <a:ext uri="{28A0092B-C50C-407E-A947-70E740481C1C}">
+                <a14:useLocalDpi xmlns:a14="http://schemas.microsoft.com/office/drawing/2010/main" val="0"/>
+              </a:ext>
+            </a:extLst>
+          </a:blip>
+          <a:stretch>
+            <a:fillRect/>
+          </a:stretch>
+        </p:blipFill>
+        <p:spPr>
+          <a:xfrm>
+            <a:off x="813773" y="1412777"/>
+            <a:ext cx="3600400" cy="2088232"/>
+          </a:xfrm>
+        </p:spPr>
+      </p:pic>
+      <p:pic>
+        <p:nvPicPr>
+          <p:cNvPr id="9" name="그림 8"/>
+          <p:cNvPicPr>
+            <a:picLocks noChangeAspect="1"/>
+          </p:cNvPicPr>
+          <p:nvPr/>
+        </p:nvPicPr>
+        <p:blipFill>
+          <a:blip r:embed="rId3">
+            <a:extLst>
+              <a:ext uri="{28A0092B-C50C-407E-A947-70E740481C1C}">
+                <a14:useLocalDpi xmlns:a14="http://schemas.microsoft.com/office/drawing/2010/main" val="0"/>
+              </a:ext>
+            </a:extLst>
+          </a:blip>
+          <a:stretch>
+            <a:fillRect/>
+          </a:stretch>
+        </p:blipFill>
+        <p:spPr>
+          <a:xfrm>
+            <a:off x="4643030" y="1412777"/>
+            <a:ext cx="3601378" cy="2088232"/>
+          </a:xfrm>
+          <a:prstGeom prst="rect">
+            <a:avLst/>
+          </a:prstGeom>
+        </p:spPr>
+      </p:pic>
+      <p:pic>
+        <p:nvPicPr>
+          <p:cNvPr id="10" name="그림 9"/>
+          <p:cNvPicPr>
+            <a:picLocks noChangeAspect="1"/>
+          </p:cNvPicPr>
+          <p:nvPr/>
+        </p:nvPicPr>
+        <p:blipFill>
+          <a:blip r:embed="rId4">
+            <a:extLst>
+              <a:ext uri="{28A0092B-C50C-407E-A947-70E740481C1C}">
+                <a14:useLocalDpi xmlns:a14="http://schemas.microsoft.com/office/drawing/2010/main" val="0"/>
+              </a:ext>
+            </a:extLst>
+          </a:blip>
+          <a:stretch>
+            <a:fillRect/>
+          </a:stretch>
+        </p:blipFill>
+        <p:spPr>
+          <a:xfrm>
+            <a:off x="4643030" y="3889907"/>
+            <a:ext cx="3601378" cy="2059373"/>
+          </a:xfrm>
+          <a:prstGeom prst="rect">
+            <a:avLst/>
+          </a:prstGeom>
+        </p:spPr>
+      </p:pic>
+      <p:pic>
+        <p:nvPicPr>
+          <p:cNvPr id="11" name="그림 10"/>
+          <p:cNvPicPr>
+            <a:picLocks noChangeAspect="1"/>
+          </p:cNvPicPr>
+          <p:nvPr/>
+        </p:nvPicPr>
+        <p:blipFill>
+          <a:blip r:embed="rId5">
+            <a:extLst>
+              <a:ext uri="{28A0092B-C50C-407E-A947-70E740481C1C}">
+                <a14:useLocalDpi xmlns:a14="http://schemas.microsoft.com/office/drawing/2010/main" val="0"/>
+              </a:ext>
+            </a:extLst>
+          </a:blip>
+          <a:stretch>
+            <a:fillRect/>
+          </a:stretch>
+        </p:blipFill>
+        <p:spPr>
+          <a:xfrm>
+            <a:off x="827584" y="3861048"/>
+            <a:ext cx="3600400" cy="2088232"/>
+          </a:xfrm>
+          <a:prstGeom prst="rect">
+            <a:avLst/>
+          </a:prstGeom>
+        </p:spPr>
+      </p:pic>
+      <p:sp>
+        <p:nvSpPr>
+          <p:cNvPr id="12" name="TextBox 11"/>
+          <p:cNvSpPr txBox="1"/>
+          <p:nvPr/>
+        </p:nvSpPr>
+        <p:spPr>
+          <a:xfrm>
+            <a:off x="1198106" y="3520575"/>
+            <a:ext cx="1420582" cy="369332"/>
+          </a:xfrm>
+          <a:prstGeom prst="rect">
+            <a:avLst/>
+          </a:prstGeom>
+          <a:noFill/>
+        </p:spPr>
+        <p:txBody>
+          <a:bodyPr wrap="none" rtlCol="0">
+            <a:spAutoFit/>
+          </a:bodyPr>
+          <a:lstStyle/>
+          <a:p>
+            <a:r>
+              <a:rPr lang="ko-KR" altLang="en-US" smtClean="0"/>
+              <a:t>오른쪽 발사</a:t>
+            </a:r>
+            <a:endParaRPr lang="ko-KR" altLang="en-US" dirty="0"/>
+          </a:p>
+        </p:txBody>
+      </p:sp>
+      <p:sp>
+        <p:nvSpPr>
+          <p:cNvPr id="13" name="TextBox 12"/>
+          <p:cNvSpPr txBox="1"/>
+          <p:nvPr/>
+        </p:nvSpPr>
+        <p:spPr>
+          <a:xfrm>
+            <a:off x="5940152" y="3488309"/>
+            <a:ext cx="1189749" cy="369332"/>
+          </a:xfrm>
+          <a:prstGeom prst="rect">
+            <a:avLst/>
+          </a:prstGeom>
+          <a:noFill/>
+        </p:spPr>
+        <p:txBody>
+          <a:bodyPr wrap="none" rtlCol="0">
+            <a:spAutoFit/>
+          </a:bodyPr>
+          <a:lstStyle/>
+          <a:p>
+            <a:r>
+              <a:rPr lang="ko-KR" altLang="en-US" dirty="0" smtClean="0"/>
+              <a:t>왼쪽 발사</a:t>
+            </a:r>
+            <a:endParaRPr lang="ko-KR" altLang="en-US" dirty="0"/>
+          </a:p>
+        </p:txBody>
+      </p:sp>
+      <p:sp>
+        <p:nvSpPr>
+          <p:cNvPr id="14" name="TextBox 13"/>
+          <p:cNvSpPr txBox="1"/>
+          <p:nvPr/>
+        </p:nvSpPr>
+        <p:spPr>
+          <a:xfrm>
+            <a:off x="3779912" y="6093296"/>
+            <a:ext cx="1271502" cy="369332"/>
+          </a:xfrm>
+          <a:prstGeom prst="rect">
+            <a:avLst/>
+          </a:prstGeom>
+          <a:noFill/>
+        </p:spPr>
+        <p:txBody>
+          <a:bodyPr wrap="none" rtlCol="0">
+            <a:spAutoFit/>
+          </a:bodyPr>
+          <a:lstStyle/>
+          <a:p>
+            <a:r>
+              <a:rPr lang="ko-KR" altLang="en-US" dirty="0" smtClean="0"/>
+              <a:t>적 피격 시</a:t>
+            </a:r>
+            <a:endParaRPr lang="ko-KR" altLang="en-US" dirty="0"/>
+          </a:p>
+        </p:txBody>
+      </p:sp>
+    </p:spTree>
+    <p:extLst>
+      <p:ext uri="{BB962C8B-B14F-4D97-AF65-F5344CB8AC3E}">
+        <p14:creationId xmlns:p14="http://schemas.microsoft.com/office/powerpoint/2010/main" val="1996767561"/>
+      </p:ext>
+    </p:extLst>
+  </p:cSld>
+  <p:clrMapOvr>
+    <a:masterClrMapping/>
+  </p:clrMapOvr>
+  <p:timing>
+    <p:tnLst>
+      <p:par>
+        <p:cTn id="1" dur="indefinite" restart="never" nodeType="tmRoot"/>
+      </p:par>
+    </p:tnLst>
+  </p:timing>
+</p:sld>
+</file>
+
+<file path=ppt/slides/slide12.xml><?xml version="1.0" encoding="utf-8"?>
+<p:sld xmlns:a="http://schemas.openxmlformats.org/drawingml/2006/main" xmlns:r="http://schemas.openxmlformats.org/officeDocument/2006/relationships" xmlns:p="http://schemas.openxmlformats.org/presentationml/2006/main">
+  <p:cSld>
+    <p:spTree>
+      <p:nvGrpSpPr>
+        <p:cNvPr id="1" name=""/>
+        <p:cNvGrpSpPr/>
+        <p:nvPr/>
+      </p:nvGrpSpPr>
+      <p:grpSpPr>
+        <a:xfrm>
+          <a:off x="0" y="0"/>
+          <a:ext cx="0" cy="0"/>
+          <a:chOff x="0" y="0"/>
+          <a:chExt cx="0" cy="0"/>
+        </a:xfrm>
+      </p:grpSpPr>
+      <p:pic>
+        <p:nvPicPr>
+          <p:cNvPr id="6" name="그림 5"/>
+          <p:cNvPicPr>
+            <a:picLocks/>
+          </p:cNvPicPr>
+          <p:nvPr/>
+        </p:nvPicPr>
+        <p:blipFill>
+          <a:blip r:embed="rId2">
+            <a:extLst>
+              <a:ext uri="{28A0092B-C50C-407E-A947-70E740481C1C}">
+                <a14:useLocalDpi xmlns:a14="http://schemas.microsoft.com/office/drawing/2010/main" val="0"/>
+              </a:ext>
+            </a:extLst>
+          </a:blip>
+          <a:stretch>
+            <a:fillRect/>
+          </a:stretch>
+        </p:blipFill>
+        <p:spPr>
+          <a:xfrm>
+            <a:off x="792000" y="1476000"/>
+            <a:ext cx="7560000" cy="4860000"/>
+          </a:xfrm>
+          <a:prstGeom prst="rect">
+            <a:avLst/>
+          </a:prstGeom>
+        </p:spPr>
+      </p:pic>
+      <p:sp>
+        <p:nvSpPr>
+          <p:cNvPr id="2" name="제목 1"/>
+          <p:cNvSpPr>
+            <a:spLocks noGrp="1"/>
+          </p:cNvSpPr>
+          <p:nvPr>
+            <p:ph type="title"/>
+          </p:nvPr>
+        </p:nvSpPr>
+        <p:spPr/>
+        <p:txBody>
+          <a:bodyPr/>
+          <a:lstStyle/>
+          <a:p>
+            <a:r>
+              <a:rPr lang="ko-KR" altLang="en-US" dirty="0" smtClean="0"/>
+              <a:t>사냥게임</a:t>
+            </a:r>
+            <a:r>
+              <a:rPr lang="en-US" altLang="ko-KR" dirty="0" smtClean="0"/>
+              <a:t>-</a:t>
+            </a:r>
+            <a:r>
+              <a:rPr lang="ko-KR" altLang="en-US" dirty="0" smtClean="0"/>
+              <a:t>화살발사</a:t>
+            </a:r>
+            <a:endParaRPr lang="ko-KR" altLang="en-US" dirty="0"/>
+          </a:p>
+        </p:txBody>
+      </p:sp>
+      <p:pic>
+        <p:nvPicPr>
+          <p:cNvPr id="9" name="그림 8"/>
+          <p:cNvPicPr>
+            <a:picLocks noChangeAspect="1"/>
+          </p:cNvPicPr>
+          <p:nvPr/>
+        </p:nvPicPr>
+        <p:blipFill>
+          <a:blip r:embed="rId3" cstate="print">
+            <a:extLst>
+              <a:ext uri="{28A0092B-C50C-407E-A947-70E740481C1C}">
+                <a14:useLocalDpi xmlns:a14="http://schemas.microsoft.com/office/drawing/2010/main" val="0"/>
+              </a:ext>
+            </a:extLst>
+          </a:blip>
+          <a:stretch>
+            <a:fillRect/>
+          </a:stretch>
+        </p:blipFill>
+        <p:spPr>
+          <a:xfrm>
+            <a:off x="4067944" y="2636912"/>
+            <a:ext cx="1152128" cy="1152128"/>
+          </a:xfrm>
+          <a:prstGeom prst="rect">
+            <a:avLst/>
+          </a:prstGeom>
+        </p:spPr>
+      </p:pic>
+      <p:cxnSp>
+        <p:nvCxnSpPr>
+          <p:cNvPr id="11" name="직선 연결선 10"/>
+          <p:cNvCxnSpPr/>
+          <p:nvPr/>
+        </p:nvCxnSpPr>
+        <p:spPr>
+          <a:xfrm flipV="1">
+            <a:off x="1751848" y="4437112"/>
+            <a:ext cx="2748144" cy="72008"/>
+          </a:xfrm>
+          <a:prstGeom prst="line">
+            <a:avLst/>
+          </a:prstGeom>
+          <a:ln w="25400">
+            <a:solidFill>
+              <a:srgbClr val="FF0000"/>
+            </a:solidFill>
+          </a:ln>
+        </p:spPr>
+        <p:style>
+          <a:lnRef idx="1">
+            <a:schemeClr val="accent1"/>
+          </a:lnRef>
+          <a:fillRef idx="0">
+            <a:schemeClr val="accent1"/>
+          </a:fillRef>
+          <a:effectRef idx="0">
+            <a:schemeClr val="accent1"/>
+          </a:effectRef>
+          <a:fontRef idx="minor">
+            <a:schemeClr val="tx1"/>
+          </a:fontRef>
+        </p:style>
+      </p:cxnSp>
+      <p:cxnSp>
+        <p:nvCxnSpPr>
+          <p:cNvPr id="13" name="직선 연결선 12"/>
+          <p:cNvCxnSpPr/>
+          <p:nvPr/>
+        </p:nvCxnSpPr>
+        <p:spPr>
+          <a:xfrm flipV="1">
+            <a:off x="1751848" y="2924944"/>
+            <a:ext cx="2664296" cy="1584176"/>
+          </a:xfrm>
+          <a:prstGeom prst="line">
+            <a:avLst/>
+          </a:prstGeom>
+          <a:ln w="25400">
+            <a:solidFill>
+              <a:srgbClr val="FF0000"/>
+            </a:solidFill>
+          </a:ln>
+        </p:spPr>
+        <p:style>
+          <a:lnRef idx="1">
+            <a:schemeClr val="accent1"/>
+          </a:lnRef>
+          <a:fillRef idx="0">
+            <a:schemeClr val="accent1"/>
+          </a:fillRef>
+          <a:effectRef idx="0">
+            <a:schemeClr val="accent1"/>
+          </a:effectRef>
+          <a:fontRef idx="minor">
+            <a:schemeClr val="tx1"/>
+          </a:fontRef>
+        </p:style>
+      </p:cxnSp>
+      <p:sp>
+        <p:nvSpPr>
+          <p:cNvPr id="21" name="원호 20"/>
+          <p:cNvSpPr/>
+          <p:nvPr/>
+        </p:nvSpPr>
+        <p:spPr>
+          <a:xfrm>
+            <a:off x="2129648" y="4221116"/>
+            <a:ext cx="276192" cy="504000"/>
+          </a:xfrm>
+          <a:prstGeom prst="arc">
+            <a:avLst/>
+          </a:prstGeom>
+          <a:ln w="25400">
+            <a:solidFill>
+              <a:srgbClr val="FF0000"/>
+            </a:solidFill>
+          </a:ln>
+        </p:spPr>
+        <p:style>
+          <a:lnRef idx="1">
+            <a:schemeClr val="accent1"/>
+          </a:lnRef>
+          <a:fillRef idx="0">
+            <a:schemeClr val="accent1"/>
+          </a:fillRef>
+          <a:effectRef idx="0">
+            <a:schemeClr val="accent1"/>
+          </a:effectRef>
+          <a:fontRef idx="minor">
+            <a:schemeClr val="tx1"/>
+          </a:fontRef>
+        </p:style>
+        <p:txBody>
+          <a:bodyPr rtlCol="0" anchor="ctr"/>
+          <a:lstStyle/>
+          <a:p>
+            <a:pPr algn="ctr"/>
+            <a:endParaRPr lang="ko-KR" altLang="en-US"/>
+          </a:p>
+        </p:txBody>
+      </p:sp>
+      <p:cxnSp>
+        <p:nvCxnSpPr>
+          <p:cNvPr id="24" name="직선 화살표 연결선 23"/>
+          <p:cNvCxnSpPr/>
+          <p:nvPr/>
+        </p:nvCxnSpPr>
+        <p:spPr>
+          <a:xfrm>
+            <a:off x="6516216" y="2564904"/>
+            <a:ext cx="0" cy="1800200"/>
+          </a:xfrm>
+          <a:prstGeom prst="straightConnector1">
+            <a:avLst/>
+          </a:prstGeom>
+          <a:ln w="25400">
+            <a:solidFill>
+              <a:srgbClr val="C00000"/>
+            </a:solidFill>
+            <a:tailEnd type="arrow"/>
+          </a:ln>
+        </p:spPr>
+        <p:style>
+          <a:lnRef idx="1">
+            <a:schemeClr val="accent1"/>
+          </a:lnRef>
+          <a:fillRef idx="0">
+            <a:schemeClr val="accent1"/>
+          </a:fillRef>
+          <a:effectRef idx="0">
+            <a:schemeClr val="accent1"/>
+          </a:effectRef>
+          <a:fontRef idx="minor">
+            <a:schemeClr val="tx1"/>
+          </a:fontRef>
+        </p:style>
+      </p:cxnSp>
+      <p:sp>
+        <p:nvSpPr>
+          <p:cNvPr id="25" name="TextBox 24"/>
+          <p:cNvSpPr txBox="1"/>
+          <p:nvPr/>
+        </p:nvSpPr>
+        <p:spPr>
+          <a:xfrm>
+            <a:off x="6660232" y="3717032"/>
+            <a:ext cx="1224136" cy="369332"/>
+          </a:xfrm>
+          <a:prstGeom prst="rect">
+            <a:avLst/>
+          </a:prstGeom>
+          <a:noFill/>
+        </p:spPr>
+        <p:txBody>
+          <a:bodyPr wrap="square" rtlCol="0">
+            <a:spAutoFit/>
+          </a:bodyPr>
+          <a:lstStyle/>
+          <a:p>
+            <a:r>
+              <a:rPr lang="en-US" altLang="ko-KR" dirty="0" smtClean="0"/>
+              <a:t>gravity</a:t>
+            </a:r>
+            <a:endParaRPr lang="ko-KR" altLang="en-US" dirty="0"/>
+          </a:p>
+        </p:txBody>
+      </p:sp>
+      <p:sp>
+        <p:nvSpPr>
+          <p:cNvPr id="26" name="TextBox 25"/>
+          <p:cNvSpPr txBox="1"/>
+          <p:nvPr/>
+        </p:nvSpPr>
+        <p:spPr>
+          <a:xfrm>
+            <a:off x="1499820" y="3393865"/>
+            <a:ext cx="1920052" cy="646331"/>
+          </a:xfrm>
+          <a:prstGeom prst="rect">
+            <a:avLst/>
+          </a:prstGeom>
+          <a:noFill/>
+        </p:spPr>
+        <p:txBody>
+          <a:bodyPr wrap="square" rtlCol="0">
+            <a:spAutoFit/>
+          </a:bodyPr>
+          <a:lstStyle/>
+          <a:p>
+            <a:r>
+              <a:rPr lang="ko-KR" altLang="en-US" dirty="0" smtClean="0"/>
+              <a:t>초기 </a:t>
+            </a:r>
+            <a:r>
+              <a:rPr lang="en-US" altLang="ko-KR" dirty="0" smtClean="0"/>
+              <a:t>y</a:t>
+            </a:r>
+            <a:r>
+              <a:rPr lang="ko-KR" altLang="en-US" dirty="0" smtClean="0"/>
+              <a:t>방향 속도</a:t>
+            </a:r>
+            <a:r>
+              <a:rPr lang="en-US" altLang="ko-KR" dirty="0" smtClean="0"/>
+              <a:t>=-power*sin(θ)</a:t>
+            </a:r>
+            <a:endParaRPr lang="ko-KR" altLang="en-US" dirty="0"/>
+          </a:p>
+        </p:txBody>
+      </p:sp>
+      <p:sp>
+        <p:nvSpPr>
+          <p:cNvPr id="27" name="TextBox 26"/>
+          <p:cNvSpPr txBox="1"/>
+          <p:nvPr/>
+        </p:nvSpPr>
+        <p:spPr>
+          <a:xfrm>
+            <a:off x="2405840" y="4904293"/>
+            <a:ext cx="1920052" cy="646331"/>
+          </a:xfrm>
+          <a:prstGeom prst="rect">
+            <a:avLst/>
+          </a:prstGeom>
+          <a:noFill/>
+        </p:spPr>
+        <p:txBody>
+          <a:bodyPr wrap="square" rtlCol="0">
+            <a:spAutoFit/>
+          </a:bodyPr>
+          <a:lstStyle/>
+          <a:p>
+            <a:r>
+              <a:rPr lang="ko-KR" altLang="en-US" dirty="0" smtClean="0"/>
+              <a:t>초기 </a:t>
+            </a:r>
+            <a:r>
+              <a:rPr lang="en-US" altLang="ko-KR" dirty="0" smtClean="0"/>
+              <a:t>x</a:t>
+            </a:r>
+            <a:r>
+              <a:rPr lang="ko-KR" altLang="en-US" dirty="0" smtClean="0"/>
+              <a:t>방향 속도</a:t>
+            </a:r>
+            <a:r>
+              <a:rPr lang="en-US" altLang="ko-KR" dirty="0" smtClean="0"/>
+              <a:t>=power*</a:t>
+            </a:r>
+            <a:r>
+              <a:rPr lang="en-US" altLang="ko-KR" smtClean="0"/>
+              <a:t>cos(θ</a:t>
+            </a:r>
+            <a:r>
+              <a:rPr lang="en-US" altLang="ko-KR" dirty="0" smtClean="0"/>
+              <a:t>)</a:t>
+            </a:r>
+            <a:endParaRPr lang="ko-KR" altLang="en-US" dirty="0"/>
+          </a:p>
+        </p:txBody>
+      </p:sp>
+    </p:spTree>
+    <p:extLst>
+      <p:ext uri="{BB962C8B-B14F-4D97-AF65-F5344CB8AC3E}">
+        <p14:creationId xmlns:p14="http://schemas.microsoft.com/office/powerpoint/2010/main" val="1996767561"/>
+      </p:ext>
+    </p:extLst>
+  </p:cSld>
+  <p:clrMapOvr>
+    <a:masterClrMapping/>
+  </p:clrMapOvr>
+  <p:timing>
+    <p:tnLst>
+      <p:par>
+        <p:cTn id="1" dur="indefinite" restart="never" nodeType="tmRoot"/>
+      </p:par>
+    </p:tnLst>
+  </p:timing>
+</p:sld>
+</file>
+
+<file path=ppt/slides/slide13.xml><?xml version="1.0" encoding="utf-8"?>
+<p:sld xmlns:a="http://schemas.openxmlformats.org/drawingml/2006/main" xmlns:r="http://schemas.openxmlformats.org/officeDocument/2006/relationships" xmlns:p="http://schemas.openxmlformats.org/presentationml/2006/main">
+  <p:cSld>
+    <p:spTree>
+      <p:nvGrpSpPr>
+        <p:cNvPr id="1" name=""/>
+        <p:cNvGrpSpPr/>
+        <p:nvPr/>
+      </p:nvGrpSpPr>
+      <p:grpSpPr>
+        <a:xfrm>
+          <a:off x="0" y="0"/>
+          <a:ext cx="0" cy="0"/>
+          <a:chOff x="0" y="0"/>
+          <a:chExt cx="0" cy="0"/>
+        </a:xfrm>
+      </p:grpSpPr>
+      <p:sp>
+        <p:nvSpPr>
+          <p:cNvPr id="2" name="제목 1"/>
+          <p:cNvSpPr>
+            <a:spLocks noGrp="1"/>
+          </p:cNvSpPr>
+          <p:nvPr>
+            <p:ph type="title"/>
+          </p:nvPr>
+        </p:nvSpPr>
+        <p:spPr/>
+        <p:txBody>
+          <a:bodyPr/>
+          <a:lstStyle/>
+          <a:p>
+            <a:r>
+              <a:rPr lang="ko-KR" altLang="en-US" dirty="0" smtClean="0"/>
+              <a:t>사냥게임</a:t>
+            </a:r>
+            <a:r>
+              <a:rPr lang="en-US" altLang="ko-KR" dirty="0" smtClean="0"/>
+              <a:t>-</a:t>
+            </a:r>
+            <a:r>
+              <a:rPr lang="ko-KR" altLang="en-US" dirty="0" smtClean="0"/>
+              <a:t>캐릭터 모션</a:t>
+            </a:r>
+            <a:endParaRPr lang="ko-KR" altLang="en-US" dirty="0"/>
+          </a:p>
+        </p:txBody>
+      </p:sp>
+      <p:sp>
+        <p:nvSpPr>
+          <p:cNvPr id="3" name="내용 개체 틀 2"/>
+          <p:cNvSpPr>
+            <a:spLocks noGrp="1"/>
+          </p:cNvSpPr>
+          <p:nvPr>
+            <p:ph idx="1"/>
+          </p:nvPr>
+        </p:nvSpPr>
+        <p:spPr/>
+        <p:txBody>
+          <a:bodyPr/>
+          <a:lstStyle/>
+          <a:p>
+            <a:endParaRPr lang="ko-KR" altLang="en-US" dirty="0"/>
+          </a:p>
+        </p:txBody>
+      </p:sp>
+    </p:spTree>
+    <p:extLst>
+      <p:ext uri="{BB962C8B-B14F-4D97-AF65-F5344CB8AC3E}">
+        <p14:creationId xmlns:p14="http://schemas.microsoft.com/office/powerpoint/2010/main" val="1093741429"/>
+      </p:ext>
+    </p:extLst>
+  </p:cSld>
+  <p:clrMapOvr>
+    <a:masterClrMapping/>
+  </p:clrMapOvr>
+  <p:timing>
+    <p:tnLst>
+      <p:par>
+        <p:cTn id="1" dur="indefinite" restart="never" nodeType="tmRoot"/>
+      </p:par>
+    </p:tnLst>
+  </p:timing>
+</p:sld>
+</file>
+
+<file path=ppt/slides/slide14.xml><?xml version="1.0" encoding="utf-8"?>
+<p:sld xmlns:a="http://schemas.openxmlformats.org/drawingml/2006/main" xmlns:r="http://schemas.openxmlformats.org/officeDocument/2006/relationships" xmlns:p="http://schemas.openxmlformats.org/presentationml/2006/main">
+  <p:cSld>
+    <p:spTree>
+      <p:nvGrpSpPr>
+        <p:cNvPr id="1" name=""/>
+        <p:cNvGrpSpPr/>
+        <p:nvPr/>
+      </p:nvGrpSpPr>
+      <p:grpSpPr>
+        <a:xfrm>
+          <a:off x="0" y="0"/>
+          <a:ext cx="0" cy="0"/>
+          <a:chOff x="0" y="0"/>
+          <a:chExt cx="0" cy="0"/>
+        </a:xfrm>
+      </p:grpSpPr>
+      <p:sp>
+        <p:nvSpPr>
+          <p:cNvPr id="2" name="제목 1"/>
+          <p:cNvSpPr>
+            <a:spLocks noGrp="1"/>
+          </p:cNvSpPr>
+          <p:nvPr>
+            <p:ph type="title"/>
+          </p:nvPr>
+        </p:nvSpPr>
+        <p:spPr/>
+        <p:txBody>
+          <a:bodyPr/>
+          <a:lstStyle/>
+          <a:p>
+            <a:r>
+              <a:rPr lang="ko-KR" altLang="en-US" dirty="0"/>
+              <a:t>사냥게임</a:t>
+            </a:r>
+            <a:r>
+              <a:rPr lang="en-US" altLang="ko-KR" dirty="0" smtClean="0"/>
+              <a:t>-</a:t>
+            </a:r>
+            <a:r>
+              <a:rPr lang="ko-KR" altLang="en-US" dirty="0" smtClean="0"/>
+              <a:t>데이터 베이스 연동</a:t>
+            </a:r>
+            <a:endParaRPr lang="ko-KR" altLang="en-US" dirty="0"/>
+          </a:p>
+        </p:txBody>
+      </p:sp>
+      <p:sp>
+        <p:nvSpPr>
+          <p:cNvPr id="3" name="내용 개체 틀 2"/>
+          <p:cNvSpPr>
+            <a:spLocks noGrp="1"/>
+          </p:cNvSpPr>
+          <p:nvPr>
+            <p:ph idx="1"/>
+          </p:nvPr>
+        </p:nvSpPr>
+        <p:spPr/>
+        <p:txBody>
+          <a:bodyPr/>
+          <a:lstStyle/>
+          <a:p>
+            <a:endParaRPr lang="ko-KR" altLang="en-US" dirty="0"/>
+          </a:p>
+        </p:txBody>
+      </p:sp>
+    </p:spTree>
+    <p:extLst>
+      <p:ext uri="{BB962C8B-B14F-4D97-AF65-F5344CB8AC3E}">
+        <p14:creationId xmlns:p14="http://schemas.microsoft.com/office/powerpoint/2010/main" val="1093741429"/>
+      </p:ext>
+    </p:extLst>
+  </p:cSld>
+  <p:clrMapOvr>
+    <a:masterClrMapping/>
+  </p:clrMapOvr>
+  <p:timing>
+    <p:tnLst>
+      <p:par>
+        <p:cTn id="1" dur="indefinite" restart="never" nodeType="tmRoot"/>
+      </p:par>
+    </p:tnLst>
+  </p:timing>
+</p:sld>
+</file>
+
+<file path=ppt/slides/slide15.xml><?xml version="1.0" encoding="utf-8"?>
+<p:sld xmlns:a="http://schemas.openxmlformats.org/drawingml/2006/main" xmlns:r="http://schemas.openxmlformats.org/officeDocument/2006/relationships" xmlns:p="http://schemas.openxmlformats.org/presentationml/2006/main">
+  <p:cSld>
+    <p:spTree>
+      <p:nvGrpSpPr>
+        <p:cNvPr id="1" name=""/>
+        <p:cNvGrpSpPr/>
+        <p:nvPr/>
+      </p:nvGrpSpPr>
+      <p:grpSpPr>
+        <a:xfrm>
+          <a:off x="0" y="0"/>
+          <a:ext cx="0" cy="0"/>
+          <a:chOff x="0" y="0"/>
+          <a:chExt cx="0" cy="0"/>
+        </a:xfrm>
+      </p:grpSpPr>
+      <p:sp>
+        <p:nvSpPr>
+          <p:cNvPr id="2" name="제목 1"/>
+          <p:cNvSpPr>
+            <a:spLocks noGrp="1"/>
+          </p:cNvSpPr>
+          <p:nvPr>
+            <p:ph type="title"/>
+          </p:nvPr>
+        </p:nvSpPr>
+        <p:spPr/>
+        <p:txBody>
+          <a:bodyPr/>
+          <a:lstStyle/>
+          <a:p>
+            <a:r>
+              <a:rPr lang="ko-KR" altLang="en-US" dirty="0" smtClean="0"/>
+              <a:t>아이디 찾기</a:t>
+            </a:r>
+            <a:endParaRPr lang="ko-KR" altLang="en-US" dirty="0"/>
+          </a:p>
+        </p:txBody>
+      </p:sp>
+      <p:sp>
+        <p:nvSpPr>
+          <p:cNvPr id="3" name="내용 개체 틀 2"/>
+          <p:cNvSpPr>
+            <a:spLocks noGrp="1"/>
+          </p:cNvSpPr>
+          <p:nvPr>
+            <p:ph idx="1"/>
+          </p:nvPr>
+        </p:nvSpPr>
+        <p:spPr/>
+        <p:txBody>
+          <a:bodyPr/>
+          <a:lstStyle/>
+          <a:p>
+            <a:endParaRPr lang="ko-KR" altLang="en-US" dirty="0"/>
+          </a:p>
+        </p:txBody>
+      </p:sp>
+    </p:spTree>
+    <p:extLst>
+      <p:ext uri="{BB962C8B-B14F-4D97-AF65-F5344CB8AC3E}">
+        <p14:creationId xmlns:p14="http://schemas.microsoft.com/office/powerpoint/2010/main" val="1093741429"/>
+      </p:ext>
+    </p:extLst>
+  </p:cSld>
+  <p:clrMapOvr>
+    <a:masterClrMapping/>
+  </p:clrMapOvr>
+  <p:timing>
+    <p:tnLst>
+      <p:par>
+        <p:cTn id="1" dur="indefinite" restart="never" nodeType="tmRoot"/>
+      </p:par>
+    </p:tnLst>
+  </p:timing>
+</p:sld>
+</file>
+
+<file path=ppt/slides/slide16.xml><?xml version="1.0" encoding="utf-8"?>
+<p:sld xmlns:a="http://schemas.openxmlformats.org/drawingml/2006/main" xmlns:r="http://schemas.openxmlformats.org/officeDocument/2006/relationships" xmlns:p="http://schemas.openxmlformats.org/presentationml/2006/main">
+  <p:cSld>
+    <p:spTree>
+      <p:nvGrpSpPr>
+        <p:cNvPr id="1" name=""/>
+        <p:cNvGrpSpPr/>
+        <p:nvPr/>
+      </p:nvGrpSpPr>
+      <p:grpSpPr>
+        <a:xfrm>
+          <a:off x="0" y="0"/>
+          <a:ext cx="0" cy="0"/>
+          <a:chOff x="0" y="0"/>
+          <a:chExt cx="0" cy="0"/>
+        </a:xfrm>
+      </p:grpSpPr>
+      <p:sp>
+        <p:nvSpPr>
+          <p:cNvPr id="2" name="제목 1"/>
+          <p:cNvSpPr>
+            <a:spLocks noGrp="1"/>
+          </p:cNvSpPr>
+          <p:nvPr>
+            <p:ph type="title"/>
+          </p:nvPr>
+        </p:nvSpPr>
+        <p:spPr/>
+        <p:txBody>
+          <a:bodyPr/>
+          <a:lstStyle/>
+          <a:p>
+            <a:r>
+              <a:rPr lang="ko-KR" altLang="en-US" dirty="0" smtClean="0"/>
+              <a:t>평가 및 </a:t>
+            </a:r>
+            <a:r>
+              <a:rPr lang="ko-KR" altLang="en-US" dirty="0" err="1" smtClean="0"/>
+              <a:t>느낀점</a:t>
+            </a:r>
+            <a:endParaRPr lang="ko-KR" altLang="en-US" dirty="0"/>
+          </a:p>
+        </p:txBody>
+      </p:sp>
+      <p:sp>
+        <p:nvSpPr>
+          <p:cNvPr id="3" name="내용 개체 틀 2"/>
+          <p:cNvSpPr>
+            <a:spLocks noGrp="1"/>
+          </p:cNvSpPr>
+          <p:nvPr>
+            <p:ph idx="1"/>
+          </p:nvPr>
+        </p:nvSpPr>
+        <p:spPr/>
+        <p:txBody>
+          <a:bodyPr/>
+          <a:lstStyle/>
+          <a:p>
+            <a:endParaRPr lang="ko-KR" altLang="en-US"/>
+          </a:p>
+        </p:txBody>
+      </p:sp>
+    </p:spTree>
+    <p:extLst>
+      <p:ext uri="{BB962C8B-B14F-4D97-AF65-F5344CB8AC3E}">
+        <p14:creationId xmlns:p14="http://schemas.microsoft.com/office/powerpoint/2010/main" val="1794504670"/>
+      </p:ext>
+    </p:extLst>
+  </p:cSld>
+  <p:clrMapOvr>
+    <a:masterClrMapping/>
+  </p:clrMapOvr>
+  <p:timing>
+    <p:tnLst>
+      <p:par>
+        <p:cTn id="1" dur="indefinite" restart="never" nodeType="tmRoot"/>
+      </p:par>
+    </p:tnLst>
+  </p:timing>
+</p:sld>
+</file>
+
 <file path=ppt/slides/slide2.xml><?xml version="1.0" encoding="utf-8"?>
 <p:sld xmlns:a="http://schemas.openxmlformats.org/drawingml/2006/main" xmlns:r="http://schemas.openxmlformats.org/officeDocument/2006/relationships" xmlns:p="http://schemas.openxmlformats.org/presentationml/2006/main">
   <p:cSld>
@@ -3269,6 +4377,13 @@
   <p:clrMapOvr>
     <a:masterClrMapping/>
   </p:clrMapOvr>
+  <p:timing>
+    <p:tnLst>
+      <p:par>
+        <p:cTn id="1" dur="indefinite" restart="never" nodeType="tmRoot"/>
+      </p:par>
+    </p:tnLst>
+  </p:timing>
 </p:sld>
 </file>
 
@@ -3329,23 +4444,18 @@
           <a:p>
             <a:r>
               <a:rPr lang="ko-KR" altLang="en-US" dirty="0" smtClean="0"/>
-              <a:t>냉장고 관리 프로그램</a:t>
+              <a:t>회원관리</a:t>
             </a:r>
             <a:endParaRPr lang="en-US" altLang="ko-KR" dirty="0" smtClean="0"/>
           </a:p>
           <a:p>
             <a:r>
               <a:rPr lang="ko-KR" altLang="en-US" dirty="0" smtClean="0"/>
-              <a:t>냉장고의 유통기한 관리 및 재고에 따라 </a:t>
-            </a:r>
-            <a:r>
-              <a:rPr lang="ko-KR" altLang="en-US" dirty="0" err="1" smtClean="0"/>
-              <a:t>자주먹는</a:t>
-            </a:r>
-            <a:r>
-              <a:rPr lang="ko-KR" altLang="en-US" dirty="0" smtClean="0"/>
-              <a:t> 식품에 대한 자동 주문 시스템 </a:t>
-            </a:r>
+              <a:t>사냥 게임</a:t>
+            </a:r>
+            <a:endParaRPr lang="en-US" altLang="ko-KR" dirty="0" smtClean="0"/>
+          </a:p>
+          <a:p>
             <a:endParaRPr lang="ko-KR" altLang="en-US" dirty="0"/>
           </a:p>
         </p:txBody>
@@ -3360,6 +4470,13 @@
   <p:clrMapOvr>
     <a:masterClrMapping/>
   </p:clrMapOvr>
+  <p:timing>
+    <p:tnLst>
+      <p:par>
+        <p:cTn id="1" dur="indefinite" restart="never" nodeType="tmRoot"/>
+      </p:par>
+    </p:tnLst>
+  </p:timing>
 </p:sld>
 </file>
 
@@ -3397,7 +4514,7 @@
           <a:p>
             <a:r>
               <a:rPr lang="ko-KR" altLang="en-US" dirty="0" smtClean="0"/>
-              <a:t>디자인 설계</a:t>
+              <a:t>회원관리</a:t>
             </a:r>
             <a:endParaRPr lang="ko-KR" altLang="en-US" dirty="0"/>
           </a:p>
@@ -3418,812 +4535,31 @@
           <a:bodyPr/>
           <a:lstStyle/>
           <a:p>
-            <a:endParaRPr lang="ko-KR" altLang="en-US" dirty="0"/>
-          </a:p>
-        </p:txBody>
-      </p:sp>
-      <p:sp>
-        <p:nvSpPr>
-          <p:cNvPr id="4" name="직사각형 3"/>
-          <p:cNvSpPr/>
-          <p:nvPr/>
-        </p:nvSpPr>
-        <p:spPr>
-          <a:xfrm>
-            <a:off x="2051720" y="1484784"/>
-            <a:ext cx="3600400" cy="4608512"/>
-          </a:xfrm>
-          <a:prstGeom prst="rect">
-            <a:avLst/>
-          </a:prstGeom>
-          <a:noFill/>
-        </p:spPr>
-        <p:style>
-          <a:lnRef idx="2">
-            <a:schemeClr val="accent1">
-              <a:shade val="50000"/>
-            </a:schemeClr>
-          </a:lnRef>
-          <a:fillRef idx="1">
-            <a:schemeClr val="accent1"/>
-          </a:fillRef>
-          <a:effectRef idx="0">
-            <a:schemeClr val="accent1"/>
-          </a:effectRef>
-          <a:fontRef idx="minor">
-            <a:schemeClr val="lt1"/>
-          </a:fontRef>
-        </p:style>
-        <p:txBody>
-          <a:bodyPr rtlCol="0" anchor="ctr"/>
-          <a:lstStyle/>
-          <a:p>
-            <a:pPr algn="ctr"/>
-            <a:endParaRPr lang="ko-KR" altLang="en-US"/>
-          </a:p>
-        </p:txBody>
-      </p:sp>
-      <p:sp>
-        <p:nvSpPr>
-          <p:cNvPr id="5" name="타원 4"/>
-          <p:cNvSpPr/>
-          <p:nvPr/>
-        </p:nvSpPr>
-        <p:spPr>
-          <a:xfrm>
-            <a:off x="2411760" y="1844824"/>
-            <a:ext cx="576064" cy="360040"/>
-          </a:xfrm>
-          <a:prstGeom prst="ellipse">
-            <a:avLst/>
-          </a:prstGeom>
-        </p:spPr>
-        <p:style>
-          <a:lnRef idx="2">
-            <a:schemeClr val="accent1">
-              <a:shade val="50000"/>
-            </a:schemeClr>
-          </a:lnRef>
-          <a:fillRef idx="1">
-            <a:schemeClr val="accent1"/>
-          </a:fillRef>
-          <a:effectRef idx="0">
-            <a:schemeClr val="accent1"/>
-          </a:effectRef>
-          <a:fontRef idx="minor">
-            <a:schemeClr val="lt1"/>
-          </a:fontRef>
-        </p:style>
-        <p:txBody>
-          <a:bodyPr rtlCol="0" anchor="ctr"/>
-          <a:lstStyle/>
-          <a:p>
-            <a:pPr algn="ctr"/>
-            <a:endParaRPr lang="ko-KR" altLang="en-US"/>
-          </a:p>
-        </p:txBody>
-      </p:sp>
-      <p:sp>
-        <p:nvSpPr>
-          <p:cNvPr id="6" name="타원 5"/>
-          <p:cNvSpPr/>
-          <p:nvPr/>
-        </p:nvSpPr>
-        <p:spPr>
-          <a:xfrm>
-            <a:off x="3194585" y="2046374"/>
-            <a:ext cx="576064" cy="504056"/>
-          </a:xfrm>
-          <a:prstGeom prst="ellipse">
-            <a:avLst/>
-          </a:prstGeom>
-        </p:spPr>
-        <p:style>
-          <a:lnRef idx="2">
-            <a:schemeClr val="accent1">
-              <a:shade val="50000"/>
-            </a:schemeClr>
-          </a:lnRef>
-          <a:fillRef idx="1">
-            <a:schemeClr val="accent1"/>
-          </a:fillRef>
-          <a:effectRef idx="0">
-            <a:schemeClr val="accent1"/>
-          </a:effectRef>
-          <a:fontRef idx="minor">
-            <a:schemeClr val="lt1"/>
-          </a:fontRef>
-        </p:style>
-        <p:txBody>
-          <a:bodyPr rtlCol="0" anchor="ctr"/>
-          <a:lstStyle/>
-          <a:p>
-            <a:pPr algn="ctr"/>
-            <a:endParaRPr lang="ko-KR" altLang="en-US"/>
-          </a:p>
-        </p:txBody>
-      </p:sp>
-      <p:sp>
-        <p:nvSpPr>
-          <p:cNvPr id="7" name="타원 6"/>
-          <p:cNvSpPr/>
-          <p:nvPr/>
-        </p:nvSpPr>
-        <p:spPr>
-          <a:xfrm>
-            <a:off x="4658426" y="2239978"/>
-            <a:ext cx="576064" cy="360040"/>
-          </a:xfrm>
-          <a:prstGeom prst="ellipse">
-            <a:avLst/>
-          </a:prstGeom>
-        </p:spPr>
-        <p:style>
-          <a:lnRef idx="2">
-            <a:schemeClr val="accent1">
-              <a:shade val="50000"/>
-            </a:schemeClr>
-          </a:lnRef>
-          <a:fillRef idx="1">
-            <a:schemeClr val="accent1"/>
-          </a:fillRef>
-          <a:effectRef idx="0">
-            <a:schemeClr val="accent1"/>
-          </a:effectRef>
-          <a:fontRef idx="minor">
-            <a:schemeClr val="lt1"/>
-          </a:fontRef>
-        </p:style>
-        <p:txBody>
-          <a:bodyPr rtlCol="0" anchor="ctr"/>
-          <a:lstStyle/>
-          <a:p>
-            <a:pPr algn="ctr"/>
-            <a:endParaRPr lang="ko-KR" altLang="en-US"/>
-          </a:p>
-        </p:txBody>
-      </p:sp>
-      <p:sp>
-        <p:nvSpPr>
-          <p:cNvPr id="8" name="타원 7"/>
-          <p:cNvSpPr/>
-          <p:nvPr/>
-        </p:nvSpPr>
-        <p:spPr>
-          <a:xfrm>
-            <a:off x="4788024" y="1707878"/>
-            <a:ext cx="576064" cy="360040"/>
-          </a:xfrm>
-          <a:prstGeom prst="ellipse">
-            <a:avLst/>
-          </a:prstGeom>
-        </p:spPr>
-        <p:style>
-          <a:lnRef idx="2">
-            <a:schemeClr val="accent1">
-              <a:shade val="50000"/>
-            </a:schemeClr>
-          </a:lnRef>
-          <a:fillRef idx="1">
-            <a:schemeClr val="accent1"/>
-          </a:fillRef>
-          <a:effectRef idx="0">
-            <a:schemeClr val="accent1"/>
-          </a:effectRef>
-          <a:fontRef idx="minor">
-            <a:schemeClr val="lt1"/>
-          </a:fontRef>
-        </p:style>
-        <p:txBody>
-          <a:bodyPr rtlCol="0" anchor="ctr"/>
-          <a:lstStyle/>
-          <a:p>
-            <a:pPr algn="ctr"/>
-            <a:endParaRPr lang="ko-KR" altLang="en-US"/>
-          </a:p>
-        </p:txBody>
-      </p:sp>
-      <p:sp>
-        <p:nvSpPr>
-          <p:cNvPr id="9" name="타원 8"/>
-          <p:cNvSpPr/>
-          <p:nvPr/>
-        </p:nvSpPr>
-        <p:spPr>
-          <a:xfrm>
-            <a:off x="2360676" y="3861048"/>
-            <a:ext cx="576064" cy="360040"/>
-          </a:xfrm>
-          <a:prstGeom prst="ellipse">
-            <a:avLst/>
-          </a:prstGeom>
-        </p:spPr>
-        <p:style>
-          <a:lnRef idx="2">
-            <a:schemeClr val="accent1">
-              <a:shade val="50000"/>
-            </a:schemeClr>
-          </a:lnRef>
-          <a:fillRef idx="1">
-            <a:schemeClr val="accent1"/>
-          </a:fillRef>
-          <a:effectRef idx="0">
-            <a:schemeClr val="accent1"/>
-          </a:effectRef>
-          <a:fontRef idx="minor">
-            <a:schemeClr val="lt1"/>
-          </a:fontRef>
-        </p:style>
-        <p:txBody>
-          <a:bodyPr rtlCol="0" anchor="ctr"/>
-          <a:lstStyle/>
-          <a:p>
-            <a:pPr algn="ctr"/>
-            <a:endParaRPr lang="ko-KR" altLang="en-US"/>
-          </a:p>
-        </p:txBody>
-      </p:sp>
-      <p:sp>
-        <p:nvSpPr>
-          <p:cNvPr id="10" name="타원 9"/>
-          <p:cNvSpPr/>
-          <p:nvPr/>
-        </p:nvSpPr>
-        <p:spPr>
-          <a:xfrm>
-            <a:off x="2396715" y="4401108"/>
-            <a:ext cx="576064" cy="360040"/>
-          </a:xfrm>
-          <a:prstGeom prst="ellipse">
-            <a:avLst/>
-          </a:prstGeom>
-        </p:spPr>
-        <p:style>
-          <a:lnRef idx="2">
-            <a:schemeClr val="accent1">
-              <a:shade val="50000"/>
-            </a:schemeClr>
-          </a:lnRef>
-          <a:fillRef idx="1">
-            <a:schemeClr val="accent1"/>
-          </a:fillRef>
-          <a:effectRef idx="0">
-            <a:schemeClr val="accent1"/>
-          </a:effectRef>
-          <a:fontRef idx="minor">
-            <a:schemeClr val="lt1"/>
-          </a:fontRef>
-        </p:style>
-        <p:txBody>
-          <a:bodyPr rtlCol="0" anchor="ctr"/>
-          <a:lstStyle/>
-          <a:p>
-            <a:pPr algn="ctr"/>
-            <a:endParaRPr lang="ko-KR" altLang="en-US"/>
-          </a:p>
-        </p:txBody>
-      </p:sp>
-      <p:sp>
-        <p:nvSpPr>
-          <p:cNvPr id="11" name="타원 10"/>
-          <p:cNvSpPr/>
-          <p:nvPr/>
-        </p:nvSpPr>
-        <p:spPr>
-          <a:xfrm>
-            <a:off x="2413901" y="5157192"/>
-            <a:ext cx="576064" cy="360040"/>
-          </a:xfrm>
-          <a:prstGeom prst="ellipse">
-            <a:avLst/>
-          </a:prstGeom>
-        </p:spPr>
-        <p:style>
-          <a:lnRef idx="2">
-            <a:schemeClr val="accent1">
-              <a:shade val="50000"/>
-            </a:schemeClr>
-          </a:lnRef>
-          <a:fillRef idx="1">
-            <a:schemeClr val="accent1"/>
-          </a:fillRef>
-          <a:effectRef idx="0">
-            <a:schemeClr val="accent1"/>
-          </a:effectRef>
-          <a:fontRef idx="minor">
-            <a:schemeClr val="lt1"/>
-          </a:fontRef>
-        </p:style>
-        <p:txBody>
-          <a:bodyPr rtlCol="0" anchor="ctr"/>
-          <a:lstStyle/>
-          <a:p>
-            <a:pPr algn="ctr"/>
-            <a:endParaRPr lang="ko-KR" altLang="en-US"/>
-          </a:p>
-        </p:txBody>
-      </p:sp>
-      <p:sp>
-        <p:nvSpPr>
-          <p:cNvPr id="12" name="타원 11"/>
-          <p:cNvSpPr/>
-          <p:nvPr/>
-        </p:nvSpPr>
-        <p:spPr>
-          <a:xfrm>
-            <a:off x="3506061" y="5003270"/>
-            <a:ext cx="576064" cy="360040"/>
-          </a:xfrm>
-          <a:prstGeom prst="ellipse">
-            <a:avLst/>
-          </a:prstGeom>
-        </p:spPr>
-        <p:style>
-          <a:lnRef idx="2">
-            <a:schemeClr val="accent1">
-              <a:shade val="50000"/>
-            </a:schemeClr>
-          </a:lnRef>
-          <a:fillRef idx="1">
-            <a:schemeClr val="accent1"/>
-          </a:fillRef>
-          <a:effectRef idx="0">
-            <a:schemeClr val="accent1"/>
-          </a:effectRef>
-          <a:fontRef idx="minor">
-            <a:schemeClr val="lt1"/>
-          </a:fontRef>
-        </p:style>
-        <p:txBody>
-          <a:bodyPr rtlCol="0" anchor="ctr"/>
-          <a:lstStyle/>
-          <a:p>
-            <a:pPr algn="ctr"/>
-            <a:endParaRPr lang="ko-KR" altLang="en-US"/>
-          </a:p>
-        </p:txBody>
-      </p:sp>
-      <p:sp>
-        <p:nvSpPr>
-          <p:cNvPr id="13" name="타원 12"/>
-          <p:cNvSpPr/>
-          <p:nvPr/>
-        </p:nvSpPr>
-        <p:spPr>
-          <a:xfrm>
-            <a:off x="3501152" y="4248472"/>
-            <a:ext cx="576064" cy="360040"/>
-          </a:xfrm>
-          <a:prstGeom prst="ellipse">
-            <a:avLst/>
-          </a:prstGeom>
-        </p:spPr>
-        <p:style>
-          <a:lnRef idx="2">
-            <a:schemeClr val="accent1">
-              <a:shade val="50000"/>
-            </a:schemeClr>
-          </a:lnRef>
-          <a:fillRef idx="1">
-            <a:schemeClr val="accent1"/>
-          </a:fillRef>
-          <a:effectRef idx="0">
-            <a:schemeClr val="accent1"/>
-          </a:effectRef>
-          <a:fontRef idx="minor">
-            <a:schemeClr val="lt1"/>
-          </a:fontRef>
-        </p:style>
-        <p:txBody>
-          <a:bodyPr rtlCol="0" anchor="ctr"/>
-          <a:lstStyle/>
-          <a:p>
-            <a:pPr algn="ctr"/>
-            <a:endParaRPr lang="ko-KR" altLang="en-US"/>
-          </a:p>
-        </p:txBody>
-      </p:sp>
-      <p:sp>
-        <p:nvSpPr>
-          <p:cNvPr id="14" name="타원 13"/>
-          <p:cNvSpPr/>
-          <p:nvPr/>
-        </p:nvSpPr>
-        <p:spPr>
-          <a:xfrm>
-            <a:off x="3506061" y="3823751"/>
-            <a:ext cx="576064" cy="360040"/>
-          </a:xfrm>
-          <a:prstGeom prst="ellipse">
-            <a:avLst/>
-          </a:prstGeom>
-        </p:spPr>
-        <p:style>
-          <a:lnRef idx="2">
-            <a:schemeClr val="accent1">
-              <a:shade val="50000"/>
-            </a:schemeClr>
-          </a:lnRef>
-          <a:fillRef idx="1">
-            <a:schemeClr val="accent1"/>
-          </a:fillRef>
-          <a:effectRef idx="0">
-            <a:schemeClr val="accent1"/>
-          </a:effectRef>
-          <a:fontRef idx="minor">
-            <a:schemeClr val="lt1"/>
-          </a:fontRef>
-        </p:style>
-        <p:txBody>
-          <a:bodyPr rtlCol="0" anchor="ctr"/>
-          <a:lstStyle/>
-          <a:p>
-            <a:pPr algn="ctr"/>
-            <a:endParaRPr lang="ko-KR" altLang="en-US"/>
-          </a:p>
-        </p:txBody>
-      </p:sp>
-      <p:sp>
-        <p:nvSpPr>
-          <p:cNvPr id="15" name="타원 14"/>
-          <p:cNvSpPr/>
-          <p:nvPr/>
-        </p:nvSpPr>
-        <p:spPr>
-          <a:xfrm>
-            <a:off x="3851920" y="1707878"/>
-            <a:ext cx="576064" cy="360040"/>
-          </a:xfrm>
-          <a:prstGeom prst="ellipse">
-            <a:avLst/>
-          </a:prstGeom>
-        </p:spPr>
-        <p:style>
-          <a:lnRef idx="2">
-            <a:schemeClr val="accent1">
-              <a:shade val="50000"/>
-            </a:schemeClr>
-          </a:lnRef>
-          <a:fillRef idx="1">
-            <a:schemeClr val="accent1"/>
-          </a:fillRef>
-          <a:effectRef idx="0">
-            <a:schemeClr val="accent1"/>
-          </a:effectRef>
-          <a:fontRef idx="minor">
-            <a:schemeClr val="lt1"/>
-          </a:fontRef>
-        </p:style>
-        <p:txBody>
-          <a:bodyPr rtlCol="0" anchor="ctr"/>
-          <a:lstStyle/>
-          <a:p>
-            <a:pPr algn="ctr"/>
-            <a:endParaRPr lang="ko-KR" altLang="en-US"/>
-          </a:p>
-        </p:txBody>
-      </p:sp>
-      <p:sp>
-        <p:nvSpPr>
-          <p:cNvPr id="16" name="타원 15"/>
-          <p:cNvSpPr/>
-          <p:nvPr/>
-        </p:nvSpPr>
-        <p:spPr>
-          <a:xfrm>
-            <a:off x="4652642" y="3743012"/>
-            <a:ext cx="576064" cy="360040"/>
-          </a:xfrm>
-          <a:prstGeom prst="ellipse">
-            <a:avLst/>
-          </a:prstGeom>
-        </p:spPr>
-        <p:style>
-          <a:lnRef idx="2">
-            <a:schemeClr val="accent1">
-              <a:shade val="50000"/>
-            </a:schemeClr>
-          </a:lnRef>
-          <a:fillRef idx="1">
-            <a:schemeClr val="accent1"/>
-          </a:fillRef>
-          <a:effectRef idx="0">
-            <a:schemeClr val="accent1"/>
-          </a:effectRef>
-          <a:fontRef idx="minor">
-            <a:schemeClr val="lt1"/>
-          </a:fontRef>
-        </p:style>
-        <p:txBody>
-          <a:bodyPr rtlCol="0" anchor="ctr"/>
-          <a:lstStyle/>
-          <a:p>
-            <a:pPr algn="ctr"/>
-            <a:endParaRPr lang="ko-KR" altLang="en-US"/>
-          </a:p>
-        </p:txBody>
-      </p:sp>
-      <p:sp>
-        <p:nvSpPr>
-          <p:cNvPr id="17" name="타원 16"/>
-          <p:cNvSpPr/>
-          <p:nvPr/>
-        </p:nvSpPr>
-        <p:spPr>
-          <a:xfrm>
-            <a:off x="4652642" y="4210215"/>
-            <a:ext cx="576064" cy="360040"/>
-          </a:xfrm>
-          <a:prstGeom prst="ellipse">
-            <a:avLst/>
-          </a:prstGeom>
-        </p:spPr>
-        <p:style>
-          <a:lnRef idx="2">
-            <a:schemeClr val="accent1">
-              <a:shade val="50000"/>
-            </a:schemeClr>
-          </a:lnRef>
-          <a:fillRef idx="1">
-            <a:schemeClr val="accent1"/>
-          </a:fillRef>
-          <a:effectRef idx="0">
-            <a:schemeClr val="accent1"/>
-          </a:effectRef>
-          <a:fontRef idx="minor">
-            <a:schemeClr val="lt1"/>
-          </a:fontRef>
-        </p:style>
-        <p:txBody>
-          <a:bodyPr rtlCol="0" anchor="ctr"/>
-          <a:lstStyle/>
-          <a:p>
-            <a:pPr algn="ctr"/>
-            <a:endParaRPr lang="ko-KR" altLang="en-US"/>
-          </a:p>
-        </p:txBody>
-      </p:sp>
-      <p:sp>
-        <p:nvSpPr>
-          <p:cNvPr id="18" name="타원 17"/>
-          <p:cNvSpPr/>
-          <p:nvPr/>
-        </p:nvSpPr>
-        <p:spPr>
-          <a:xfrm>
-            <a:off x="4652642" y="4800274"/>
-            <a:ext cx="576064" cy="360040"/>
-          </a:xfrm>
-          <a:prstGeom prst="ellipse">
-            <a:avLst/>
-          </a:prstGeom>
-          <a:noFill/>
-        </p:spPr>
-        <p:style>
-          <a:lnRef idx="2">
-            <a:schemeClr val="accent1">
-              <a:shade val="50000"/>
-            </a:schemeClr>
-          </a:lnRef>
-          <a:fillRef idx="1">
-            <a:schemeClr val="accent1"/>
-          </a:fillRef>
-          <a:effectRef idx="0">
-            <a:schemeClr val="accent1"/>
-          </a:effectRef>
-          <a:fontRef idx="minor">
-            <a:schemeClr val="lt1"/>
-          </a:fontRef>
-        </p:style>
-        <p:txBody>
-          <a:bodyPr rtlCol="0" anchor="ctr"/>
-          <a:lstStyle/>
-          <a:p>
-            <a:pPr algn="ctr"/>
-            <a:endParaRPr lang="ko-KR" altLang="en-US"/>
-          </a:p>
-        </p:txBody>
-      </p:sp>
-      <p:cxnSp>
-        <p:nvCxnSpPr>
-          <p:cNvPr id="22" name="직선 연결선 21"/>
-          <p:cNvCxnSpPr/>
-          <p:nvPr/>
-        </p:nvCxnSpPr>
-        <p:spPr>
-          <a:xfrm>
-            <a:off x="2051720" y="2852936"/>
-            <a:ext cx="3600400" cy="0"/>
-          </a:xfrm>
-          <a:prstGeom prst="line">
-            <a:avLst/>
-          </a:prstGeom>
-        </p:spPr>
-        <p:style>
-          <a:lnRef idx="1">
-            <a:schemeClr val="accent1"/>
-          </a:lnRef>
-          <a:fillRef idx="0">
-            <a:schemeClr val="accent1"/>
-          </a:fillRef>
-          <a:effectRef idx="0">
-            <a:schemeClr val="accent1"/>
-          </a:effectRef>
-          <a:fontRef idx="minor">
-            <a:schemeClr val="tx1"/>
-          </a:fontRef>
-        </p:style>
-      </p:cxnSp>
-      <p:cxnSp>
-        <p:nvCxnSpPr>
-          <p:cNvPr id="24" name="직선 화살표 연결선 23"/>
-          <p:cNvCxnSpPr/>
-          <p:nvPr/>
-        </p:nvCxnSpPr>
-        <p:spPr>
-          <a:xfrm flipH="1">
-            <a:off x="5364088" y="2708920"/>
-            <a:ext cx="2160240" cy="432048"/>
-          </a:xfrm>
-          <a:prstGeom prst="straightConnector1">
-            <a:avLst/>
-          </a:prstGeom>
-          <a:ln>
-            <a:tailEnd type="arrow"/>
-          </a:ln>
-        </p:spPr>
-        <p:style>
-          <a:lnRef idx="1">
-            <a:schemeClr val="accent1"/>
-          </a:lnRef>
-          <a:fillRef idx="0">
-            <a:schemeClr val="accent1"/>
-          </a:fillRef>
-          <a:effectRef idx="0">
-            <a:schemeClr val="accent1"/>
-          </a:effectRef>
-          <a:fontRef idx="minor">
-            <a:schemeClr val="tx1"/>
-          </a:fontRef>
-        </p:style>
-      </p:cxnSp>
-      <p:sp>
-        <p:nvSpPr>
-          <p:cNvPr id="25" name="TextBox 24"/>
-          <p:cNvSpPr txBox="1"/>
-          <p:nvPr/>
-        </p:nvSpPr>
-        <p:spPr>
-          <a:xfrm>
-            <a:off x="6732240" y="2204864"/>
-            <a:ext cx="1800200" cy="1477328"/>
-          </a:xfrm>
-          <a:prstGeom prst="rect">
-            <a:avLst/>
-          </a:prstGeom>
-          <a:noFill/>
-        </p:spPr>
-        <p:txBody>
-          <a:bodyPr wrap="square" rtlCol="0">
-            <a:spAutoFit/>
-          </a:bodyPr>
-          <a:lstStyle/>
-          <a:p>
             <a:r>
               <a:rPr lang="ko-KR" altLang="en-US" dirty="0" smtClean="0"/>
-              <a:t>음식 정보</a:t>
+              <a:t>데이터 베이스 설계</a:t>
             </a:r>
             <a:endParaRPr lang="en-US" altLang="ko-KR" dirty="0" smtClean="0"/>
           </a:p>
           <a:p>
             <a:r>
               <a:rPr lang="ko-KR" altLang="en-US" dirty="0" smtClean="0"/>
-              <a:t>음식 이름</a:t>
+              <a:t>로그인</a:t>
             </a:r>
             <a:endParaRPr lang="en-US" altLang="ko-KR" dirty="0" smtClean="0"/>
           </a:p>
           <a:p>
             <a:r>
               <a:rPr lang="ko-KR" altLang="en-US" dirty="0" smtClean="0"/>
-              <a:t>유통기한</a:t>
+              <a:t>등록</a:t>
             </a:r>
             <a:endParaRPr lang="en-US" altLang="ko-KR" dirty="0" smtClean="0"/>
           </a:p>
           <a:p>
             <a:r>
               <a:rPr lang="ko-KR" altLang="en-US" dirty="0" smtClean="0"/>
-              <a:t>맛</a:t>
-            </a:r>
-            <a:endParaRPr lang="en-US" altLang="ko-KR" dirty="0" smtClean="0"/>
-          </a:p>
-          <a:p>
-            <a:endParaRPr lang="ko-KR" altLang="en-US" dirty="0"/>
-          </a:p>
-        </p:txBody>
-      </p:sp>
-      <p:cxnSp>
-        <p:nvCxnSpPr>
-          <p:cNvPr id="27" name="직선 화살표 연결선 26"/>
-          <p:cNvCxnSpPr/>
-          <p:nvPr/>
-        </p:nvCxnSpPr>
-        <p:spPr>
-          <a:xfrm>
-            <a:off x="5436096" y="4183791"/>
-            <a:ext cx="864096" cy="386464"/>
-          </a:xfrm>
-          <a:prstGeom prst="straightConnector1">
-            <a:avLst/>
-          </a:prstGeom>
-          <a:ln>
-            <a:tailEnd type="arrow"/>
-          </a:ln>
-        </p:spPr>
-        <p:style>
-          <a:lnRef idx="1">
-            <a:schemeClr val="accent1"/>
-          </a:lnRef>
-          <a:fillRef idx="0">
-            <a:schemeClr val="accent1"/>
-          </a:fillRef>
-          <a:effectRef idx="0">
-            <a:schemeClr val="accent1"/>
-          </a:effectRef>
-          <a:fontRef idx="minor">
-            <a:schemeClr val="tx1"/>
-          </a:fontRef>
-        </p:style>
-      </p:cxnSp>
-      <p:sp>
-        <p:nvSpPr>
-          <p:cNvPr id="28" name="TextBox 27"/>
-          <p:cNvSpPr txBox="1"/>
-          <p:nvPr/>
-        </p:nvSpPr>
-        <p:spPr>
-          <a:xfrm>
-            <a:off x="6156176" y="3743012"/>
-            <a:ext cx="2376264" cy="1477328"/>
-          </a:xfrm>
-          <a:prstGeom prst="rect">
-            <a:avLst/>
-          </a:prstGeom>
-          <a:noFill/>
-        </p:spPr>
-        <p:txBody>
-          <a:bodyPr wrap="square" rtlCol="0">
-            <a:spAutoFit/>
-          </a:bodyPr>
-          <a:lstStyle/>
-          <a:p>
-            <a:r>
-              <a:rPr lang="ko-KR" altLang="en-US" dirty="0" smtClean="0"/>
-              <a:t>추천 메뉴 선정</a:t>
-            </a:r>
-            <a:endParaRPr lang="en-US" altLang="ko-KR" dirty="0" smtClean="0"/>
-          </a:p>
-          <a:p>
-            <a:r>
-              <a:rPr lang="ko-KR" altLang="en-US" dirty="0" smtClean="0"/>
-              <a:t>모자란 재료 구입</a:t>
-            </a:r>
-            <a:endParaRPr lang="en-US" altLang="ko-KR" dirty="0" smtClean="0"/>
-          </a:p>
-          <a:p>
-            <a:r>
-              <a:rPr lang="ko-KR" altLang="en-US" dirty="0" smtClean="0"/>
-              <a:t>유통기한에 비해 </a:t>
-            </a:r>
-            <a:endParaRPr lang="en-US" altLang="ko-KR" dirty="0" smtClean="0"/>
-          </a:p>
-          <a:p>
-            <a:r>
-              <a:rPr lang="ko-KR" altLang="en-US" dirty="0" smtClean="0"/>
-              <a:t>많이 남은 재료 경고</a:t>
-            </a:r>
-            <a:endParaRPr lang="en-US" altLang="ko-KR" dirty="0" smtClean="0"/>
-          </a:p>
-          <a:p>
+              <a:t>아이디 찾기</a:t>
+            </a:r>
             <a:endParaRPr lang="ko-KR" altLang="en-US" dirty="0"/>
           </a:p>
         </p:txBody>
@@ -4238,6 +4574,13 @@
   <p:clrMapOvr>
     <a:masterClrMapping/>
   </p:clrMapOvr>
+  <p:timing>
+    <p:tnLst>
+      <p:par>
+        <p:cTn id="1" dur="indefinite" restart="never" nodeType="tmRoot"/>
+      </p:par>
+    </p:tnLst>
+  </p:timing>
 </p:sld>
 </file>
 
@@ -4275,31 +4618,49 @@
           <a:p>
             <a:r>
               <a:rPr lang="ko-KR" altLang="en-US" dirty="0" smtClean="0"/>
-              <a:t>데이터 베이스 설계</a:t>
+              <a:t>회원관리</a:t>
+            </a:r>
+            <a:r>
+              <a:rPr lang="en-US" altLang="ko-KR" dirty="0" smtClean="0"/>
+              <a:t>-</a:t>
+            </a:r>
+            <a:r>
+              <a:rPr lang="ko-KR" altLang="en-US" dirty="0" smtClean="0"/>
+              <a:t>데이터 베이스</a:t>
             </a:r>
             <a:endParaRPr lang="ko-KR" altLang="en-US" dirty="0"/>
           </a:p>
         </p:txBody>
       </p:sp>
-      <p:sp>
-        <p:nvSpPr>
-          <p:cNvPr id="3" name="내용 개체 틀 2"/>
-          <p:cNvSpPr>
-            <a:spLocks noGrp="1"/>
-          </p:cNvSpPr>
+      <p:pic>
+        <p:nvPicPr>
+          <p:cNvPr id="4" name="내용 개체 틀 3"/>
+          <p:cNvPicPr>
+            <a:picLocks noGrp="1" noChangeAspect="1"/>
+          </p:cNvPicPr>
           <p:nvPr>
             <p:ph idx="1"/>
           </p:nvPr>
-        </p:nvSpPr>
-        <p:spPr/>
-        <p:txBody>
-          <a:bodyPr/>
-          <a:lstStyle/>
-          <a:p>
-            <a:endParaRPr lang="ko-KR" altLang="en-US"/>
-          </a:p>
-        </p:txBody>
-      </p:sp>
+        </p:nvPicPr>
+        <p:blipFill>
+          <a:blip r:embed="rId2">
+            <a:extLst>
+              <a:ext uri="{28A0092B-C50C-407E-A947-70E740481C1C}">
+                <a14:useLocalDpi xmlns:a14="http://schemas.microsoft.com/office/drawing/2010/main" val="0"/>
+              </a:ext>
+            </a:extLst>
+          </a:blip>
+          <a:stretch>
+            <a:fillRect/>
+          </a:stretch>
+        </p:blipFill>
+        <p:spPr>
+          <a:xfrm>
+            <a:off x="887667" y="2564904"/>
+            <a:ext cx="7336156" cy="2647762"/>
+          </a:xfrm>
+        </p:spPr>
+      </p:pic>
     </p:spTree>
     <p:extLst>
       <p:ext uri="{BB962C8B-B14F-4D97-AF65-F5344CB8AC3E}">
@@ -4310,6 +4671,13 @@
   <p:clrMapOvr>
     <a:masterClrMapping/>
   </p:clrMapOvr>
+  <p:timing>
+    <p:tnLst>
+      <p:par>
+        <p:cTn id="1" dur="indefinite" restart="never" nodeType="tmRoot"/>
+      </p:par>
+    </p:tnLst>
+  </p:timing>
 </p:sld>
 </file>
 
@@ -4347,41 +4715,66 @@
           <a:p>
             <a:r>
               <a:rPr lang="ko-KR" altLang="en-US" dirty="0" smtClean="0"/>
-              <a:t>시연</a:t>
+              <a:t>회원관리</a:t>
+            </a:r>
+            <a:r>
+              <a:rPr lang="en-US" altLang="ko-KR" dirty="0" smtClean="0"/>
+              <a:t>-</a:t>
+            </a:r>
+            <a:r>
+              <a:rPr lang="ko-KR" altLang="en-US" dirty="0" smtClean="0"/>
+              <a:t>로그인</a:t>
             </a:r>
             <a:endParaRPr lang="ko-KR" altLang="en-US" dirty="0"/>
           </a:p>
         </p:txBody>
       </p:sp>
-      <p:sp>
-        <p:nvSpPr>
-          <p:cNvPr id="3" name="내용 개체 틀 2"/>
-          <p:cNvSpPr>
-            <a:spLocks noGrp="1"/>
-          </p:cNvSpPr>
+      <p:pic>
+        <p:nvPicPr>
+          <p:cNvPr id="5" name="내용 개체 틀 4"/>
+          <p:cNvPicPr>
+            <a:picLocks noGrp="1"/>
+          </p:cNvPicPr>
           <p:nvPr>
             <p:ph idx="1"/>
           </p:nvPr>
-        </p:nvSpPr>
-        <p:spPr/>
-        <p:txBody>
-          <a:bodyPr/>
-          <a:lstStyle/>
-          <a:p>
-            <a:endParaRPr lang="ko-KR" altLang="en-US"/>
-          </a:p>
-        </p:txBody>
-      </p:sp>
+        </p:nvPicPr>
+        <p:blipFill>
+          <a:blip r:embed="rId2">
+            <a:extLst>
+              <a:ext uri="{28A0092B-C50C-407E-A947-70E740481C1C}">
+                <a14:useLocalDpi xmlns:a14="http://schemas.microsoft.com/office/drawing/2010/main" val="0"/>
+              </a:ext>
+            </a:extLst>
+          </a:blip>
+          <a:stretch>
+            <a:fillRect/>
+          </a:stretch>
+        </p:blipFill>
+        <p:spPr>
+          <a:xfrm>
+            <a:off x="792000" y="1476000"/>
+            <a:ext cx="7560000" cy="4860000"/>
+          </a:xfrm>
+        </p:spPr>
+      </p:pic>
     </p:spTree>
     <p:extLst>
       <p:ext uri="{BB962C8B-B14F-4D97-AF65-F5344CB8AC3E}">
-        <p14:creationId xmlns:p14="http://schemas.microsoft.com/office/powerpoint/2010/main" val="1794504670"/>
+        <p14:creationId xmlns:p14="http://schemas.microsoft.com/office/powerpoint/2010/main" val="4156865290"/>
       </p:ext>
     </p:extLst>
   </p:cSld>
   <p:clrMapOvr>
     <a:masterClrMapping/>
   </p:clrMapOvr>
+  <p:timing>
+    <p:tnLst>
+      <p:par>
+        <p:cTn id="1" dur="indefinite" restart="never" nodeType="tmRoot"/>
+      </p:par>
+    </p:tnLst>
+  </p:timing>
 </p:sld>
 </file>
 
@@ -4419,45 +4812,260 @@
           <a:p>
             <a:r>
               <a:rPr lang="ko-KR" altLang="en-US" dirty="0" smtClean="0"/>
-              <a:t>평가 및 </a:t>
-            </a:r>
-            <a:r>
-              <a:rPr lang="ko-KR" altLang="en-US" dirty="0" err="1" smtClean="0"/>
-              <a:t>느낀점</a:t>
+              <a:t>회원관리</a:t>
+            </a:r>
+            <a:r>
+              <a:rPr lang="en-US" altLang="ko-KR" dirty="0" smtClean="0"/>
+              <a:t>-</a:t>
+            </a:r>
+            <a:r>
+              <a:rPr lang="ko-KR" altLang="en-US" dirty="0" smtClean="0"/>
+              <a:t>등록</a:t>
             </a:r>
             <a:endParaRPr lang="ko-KR" altLang="en-US" dirty="0"/>
           </a:p>
         </p:txBody>
       </p:sp>
-      <p:sp>
-        <p:nvSpPr>
-          <p:cNvPr id="3" name="내용 개체 틀 2"/>
-          <p:cNvSpPr>
-            <a:spLocks noGrp="1"/>
-          </p:cNvSpPr>
+      <p:pic>
+        <p:nvPicPr>
+          <p:cNvPr id="4" name="내용 개체 틀 3"/>
+          <p:cNvPicPr>
+            <a:picLocks noGrp="1"/>
+          </p:cNvPicPr>
           <p:nvPr>
             <p:ph idx="1"/>
           </p:nvPr>
-        </p:nvSpPr>
-        <p:spPr/>
-        <p:txBody>
-          <a:bodyPr/>
-          <a:lstStyle/>
-          <a:p>
-            <a:endParaRPr lang="ko-KR" altLang="en-US"/>
-          </a:p>
-        </p:txBody>
-      </p:sp>
+        </p:nvPicPr>
+        <p:blipFill>
+          <a:blip r:embed="rId2">
+            <a:extLst>
+              <a:ext uri="{28A0092B-C50C-407E-A947-70E740481C1C}">
+                <a14:useLocalDpi xmlns:a14="http://schemas.microsoft.com/office/drawing/2010/main" val="0"/>
+              </a:ext>
+            </a:extLst>
+          </a:blip>
+          <a:stretch>
+            <a:fillRect/>
+          </a:stretch>
+        </p:blipFill>
+        <p:spPr>
+          <a:xfrm>
+            <a:off x="792000" y="1476000"/>
+            <a:ext cx="7560000" cy="4860000"/>
+          </a:xfrm>
+        </p:spPr>
+      </p:pic>
     </p:spTree>
     <p:extLst>
       <p:ext uri="{BB962C8B-B14F-4D97-AF65-F5344CB8AC3E}">
-        <p14:creationId xmlns:p14="http://schemas.microsoft.com/office/powerpoint/2010/main" val="1794504670"/>
+        <p14:creationId xmlns:p14="http://schemas.microsoft.com/office/powerpoint/2010/main" val="4156865290"/>
       </p:ext>
     </p:extLst>
   </p:cSld>
   <p:clrMapOvr>
     <a:masterClrMapping/>
   </p:clrMapOvr>
+  <p:timing>
+    <p:tnLst>
+      <p:par>
+        <p:cTn id="1" dur="indefinite" restart="never" nodeType="tmRoot"/>
+      </p:par>
+    </p:tnLst>
+  </p:timing>
+</p:sld>
+</file>
+
+<file path=ppt/slides/slide8.xml><?xml version="1.0" encoding="utf-8"?>
+<p:sld xmlns:a="http://schemas.openxmlformats.org/drawingml/2006/main" xmlns:r="http://schemas.openxmlformats.org/officeDocument/2006/relationships" xmlns:p="http://schemas.openxmlformats.org/presentationml/2006/main">
+  <p:cSld>
+    <p:spTree>
+      <p:nvGrpSpPr>
+        <p:cNvPr id="1" name=""/>
+        <p:cNvGrpSpPr/>
+        <p:nvPr/>
+      </p:nvGrpSpPr>
+      <p:grpSpPr>
+        <a:xfrm>
+          <a:off x="0" y="0"/>
+          <a:ext cx="0" cy="0"/>
+          <a:chOff x="0" y="0"/>
+          <a:chExt cx="0" cy="0"/>
+        </a:xfrm>
+      </p:grpSpPr>
+      <p:sp>
+        <p:nvSpPr>
+          <p:cNvPr id="2" name="제목 1"/>
+          <p:cNvSpPr>
+            <a:spLocks noGrp="1"/>
+          </p:cNvSpPr>
+          <p:nvPr>
+            <p:ph type="title"/>
+          </p:nvPr>
+        </p:nvSpPr>
+        <p:spPr/>
+        <p:txBody>
+          <a:bodyPr/>
+          <a:lstStyle/>
+          <a:p>
+            <a:r>
+              <a:rPr lang="ko-KR" altLang="en-US" dirty="0" smtClean="0"/>
+              <a:t>회원관리</a:t>
+            </a:r>
+            <a:r>
+              <a:rPr lang="en-US" altLang="ko-KR" dirty="0" smtClean="0"/>
+              <a:t>-</a:t>
+            </a:r>
+            <a:r>
+              <a:rPr lang="ko-KR" altLang="en-US" dirty="0" smtClean="0"/>
+              <a:t>아이디 찾기</a:t>
+            </a:r>
+            <a:endParaRPr lang="ko-KR" altLang="en-US" dirty="0"/>
+          </a:p>
+        </p:txBody>
+      </p:sp>
+      <p:pic>
+        <p:nvPicPr>
+          <p:cNvPr id="4" name="내용 개체 틀 3"/>
+          <p:cNvPicPr>
+            <a:picLocks noGrp="1"/>
+          </p:cNvPicPr>
+          <p:nvPr>
+            <p:ph idx="1"/>
+          </p:nvPr>
+        </p:nvPicPr>
+        <p:blipFill>
+          <a:blip r:embed="rId2">
+            <a:extLst>
+              <a:ext uri="{28A0092B-C50C-407E-A947-70E740481C1C}">
+                <a14:useLocalDpi xmlns:a14="http://schemas.microsoft.com/office/drawing/2010/main" val="0"/>
+              </a:ext>
+            </a:extLst>
+          </a:blip>
+          <a:stretch>
+            <a:fillRect/>
+          </a:stretch>
+        </p:blipFill>
+        <p:spPr>
+          <a:xfrm>
+            <a:off x="792002" y="1476000"/>
+            <a:ext cx="7560000" cy="4860000"/>
+          </a:xfrm>
+        </p:spPr>
+      </p:pic>
+    </p:spTree>
+    <p:extLst>
+      <p:ext uri="{BB962C8B-B14F-4D97-AF65-F5344CB8AC3E}">
+        <p14:creationId xmlns:p14="http://schemas.microsoft.com/office/powerpoint/2010/main" val="4156865290"/>
+      </p:ext>
+    </p:extLst>
+  </p:cSld>
+  <p:clrMapOvr>
+    <a:masterClrMapping/>
+  </p:clrMapOvr>
+  <p:timing>
+    <p:tnLst>
+      <p:par>
+        <p:cTn id="1" dur="indefinite" restart="never" nodeType="tmRoot"/>
+      </p:par>
+    </p:tnLst>
+  </p:timing>
+</p:sld>
+</file>
+
+<file path=ppt/slides/slide9.xml><?xml version="1.0" encoding="utf-8"?>
+<p:sld xmlns:a="http://schemas.openxmlformats.org/drawingml/2006/main" xmlns:r="http://schemas.openxmlformats.org/officeDocument/2006/relationships" xmlns:p="http://schemas.openxmlformats.org/presentationml/2006/main">
+  <p:cSld>
+    <p:spTree>
+      <p:nvGrpSpPr>
+        <p:cNvPr id="1" name=""/>
+        <p:cNvGrpSpPr/>
+        <p:nvPr/>
+      </p:nvGrpSpPr>
+      <p:grpSpPr>
+        <a:xfrm>
+          <a:off x="0" y="0"/>
+          <a:ext cx="0" cy="0"/>
+          <a:chOff x="0" y="0"/>
+          <a:chExt cx="0" cy="0"/>
+        </a:xfrm>
+      </p:grpSpPr>
+      <p:sp>
+        <p:nvSpPr>
+          <p:cNvPr id="2" name="제목 1"/>
+          <p:cNvSpPr>
+            <a:spLocks noGrp="1"/>
+          </p:cNvSpPr>
+          <p:nvPr>
+            <p:ph type="title"/>
+          </p:nvPr>
+        </p:nvSpPr>
+        <p:spPr/>
+        <p:txBody>
+          <a:bodyPr/>
+          <a:lstStyle/>
+          <a:p>
+            <a:r>
+              <a:rPr lang="ko-KR" altLang="en-US" dirty="0" smtClean="0"/>
+              <a:t>사냥게임</a:t>
+            </a:r>
+            <a:endParaRPr lang="ko-KR" altLang="en-US" dirty="0"/>
+          </a:p>
+        </p:txBody>
+      </p:sp>
+      <p:sp>
+        <p:nvSpPr>
+          <p:cNvPr id="3" name="내용 개체 틀 2"/>
+          <p:cNvSpPr>
+            <a:spLocks noGrp="1"/>
+          </p:cNvSpPr>
+          <p:nvPr>
+            <p:ph idx="1"/>
+          </p:nvPr>
+        </p:nvSpPr>
+        <p:spPr/>
+        <p:txBody>
+          <a:bodyPr/>
+          <a:lstStyle/>
+          <a:p>
+            <a:r>
+              <a:rPr lang="ko-KR" altLang="en-US" dirty="0" smtClean="0"/>
+              <a:t>화살발사</a:t>
+            </a:r>
+            <a:endParaRPr lang="en-US" altLang="ko-KR" dirty="0" smtClean="0"/>
+          </a:p>
+          <a:p>
+            <a:r>
+              <a:rPr lang="ko-KR" altLang="en-US" dirty="0" smtClean="0"/>
+              <a:t>캐릭터 모션</a:t>
+            </a:r>
+            <a:endParaRPr lang="en-US" altLang="ko-KR" dirty="0" smtClean="0"/>
+          </a:p>
+          <a:p>
+            <a:r>
+              <a:rPr lang="ko-KR" altLang="en-US" dirty="0" smtClean="0"/>
+              <a:t>데이터 베이스 연동</a:t>
+            </a:r>
+            <a:endParaRPr lang="ko-KR" altLang="en-US" dirty="0"/>
+          </a:p>
+        </p:txBody>
+      </p:sp>
+    </p:spTree>
+    <p:extLst>
+      <p:ext uri="{BB962C8B-B14F-4D97-AF65-F5344CB8AC3E}">
+        <p14:creationId xmlns:p14="http://schemas.microsoft.com/office/powerpoint/2010/main" val="1093741429"/>
+      </p:ext>
+    </p:extLst>
+  </p:cSld>
+  <p:clrMapOvr>
+    <a:masterClrMapping/>
+  </p:clrMapOvr>
+  <p:timing>
+    <p:tnLst>
+      <p:par>
+        <p:cTn id="1" dur="indefinite" restart="never" nodeType="tmRoot"/>
+      </p:par>
+    </p:tnLst>
+  </p:timing>
 </p:sld>
 </file>
 
